--- a/PLP_PPT.pptx
+++ b/PLP_PPT.pptx
@@ -802,7 +802,7 @@
           <a:graphicData uri="http://schemas.openxmlformats.org/presentationml/2006/ole">
             <mc:AlternateContent xmlns:mc="http://schemas.openxmlformats.org/markup-compatibility/2006">
               <mc:Choice xmlns:v="urn:schemas-microsoft-com:vml" Requires="v">
-                <p:oleObj spid="_x0000_s33802" name="think-cell Slide" r:id="rId4" imgW="270" imgH="270" progId="TCLayout.ActiveDocument.1">
+                <p:oleObj spid="_x0000_s33809" name="think-cell Slide" r:id="rId4" imgW="270" imgH="270" progId="TCLayout.ActiveDocument.1">
                   <p:embed/>
                 </p:oleObj>
               </mc:Choice>
@@ -2466,7 +2466,7 @@
           <a:graphicData uri="http://schemas.openxmlformats.org/presentationml/2006/ole">
             <mc:AlternateContent xmlns:mc="http://schemas.openxmlformats.org/markup-compatibility/2006">
               <mc:Choice xmlns:v="urn:schemas-microsoft-com:vml" Requires="v">
-                <p:oleObj spid="_x0000_s34826" name="think-cell Slide" r:id="rId4" imgW="270" imgH="270" progId="TCLayout.ActiveDocument.1">
+                <p:oleObj spid="_x0000_s34833" name="think-cell Slide" r:id="rId4" imgW="270" imgH="270" progId="TCLayout.ActiveDocument.1">
                   <p:embed/>
                 </p:oleObj>
               </mc:Choice>
@@ -3592,7 +3592,7 @@
           <a:graphicData uri="http://schemas.openxmlformats.org/presentationml/2006/ole">
             <mc:AlternateContent xmlns:mc="http://schemas.openxmlformats.org/markup-compatibility/2006">
               <mc:Choice xmlns:v="urn:schemas-microsoft-com:vml" Requires="v">
-                <p:oleObj spid="_x0000_s35850" name="think-cell Slide" r:id="rId4" imgW="270" imgH="270" progId="TCLayout.ActiveDocument.1">
+                <p:oleObj spid="_x0000_s35857" name="think-cell Slide" r:id="rId4" imgW="270" imgH="270" progId="TCLayout.ActiveDocument.1">
                   <p:embed/>
                 </p:oleObj>
               </mc:Choice>
@@ -3893,7 +3893,7 @@
           <a:graphicData uri="http://schemas.openxmlformats.org/presentationml/2006/ole">
             <mc:AlternateContent xmlns:mc="http://schemas.openxmlformats.org/markup-compatibility/2006">
               <mc:Choice xmlns:v="urn:schemas-microsoft-com:vml" Requires="v">
-                <p:oleObj spid="_x0000_s36874" name="think-cell Slide" r:id="rId4" imgW="270" imgH="270" progId="TCLayout.ActiveDocument.1">
+                <p:oleObj spid="_x0000_s36881" name="think-cell Slide" r:id="rId4" imgW="270" imgH="270" progId="TCLayout.ActiveDocument.1">
                   <p:embed/>
                 </p:oleObj>
               </mc:Choice>
@@ -5954,7 +5954,7 @@
           <a:graphicData uri="http://schemas.openxmlformats.org/presentationml/2006/ole">
             <mc:AlternateContent xmlns:mc="http://schemas.openxmlformats.org/markup-compatibility/2006">
               <mc:Choice xmlns:v="urn:schemas-microsoft-com:vml" Requires="v">
-                <p:oleObj spid="_x0000_s37898" name="think-cell Slide" r:id="rId4" imgW="270" imgH="270" progId="TCLayout.ActiveDocument.1">
+                <p:oleObj spid="_x0000_s37905" name="think-cell Slide" r:id="rId4" imgW="270" imgH="270" progId="TCLayout.ActiveDocument.1">
                   <p:embed/>
                 </p:oleObj>
               </mc:Choice>
@@ -7865,7 +7865,7 @@
           <a:graphicData uri="http://schemas.openxmlformats.org/presentationml/2006/ole">
             <mc:AlternateContent xmlns:mc="http://schemas.openxmlformats.org/markup-compatibility/2006">
               <mc:Choice xmlns:v="urn:schemas-microsoft-com:vml" Requires="v">
-                <p:oleObj spid="_x0000_s38922" name="think-cell Slide" r:id="rId4" imgW="270" imgH="270" progId="TCLayout.ActiveDocument.1">
+                <p:oleObj spid="_x0000_s38929" name="think-cell Slide" r:id="rId4" imgW="270" imgH="270" progId="TCLayout.ActiveDocument.1">
                   <p:embed/>
                 </p:oleObj>
               </mc:Choice>
@@ -9926,7 +9926,7 @@
           <a:graphicData uri="http://schemas.openxmlformats.org/presentationml/2006/ole">
             <mc:AlternateContent xmlns:mc="http://schemas.openxmlformats.org/markup-compatibility/2006">
               <mc:Choice xmlns:v="urn:schemas-microsoft-com:vml" Requires="v">
-                <p:oleObj spid="_x0000_s32778" name="think-cell Slide" r:id="rId10" imgW="270" imgH="270" progId="TCLayout.ActiveDocument.1">
+                <p:oleObj spid="_x0000_s32786" name="think-cell Slide" r:id="rId10" imgW="270" imgH="270" progId="TCLayout.ActiveDocument.1">
                   <p:embed/>
                 </p:oleObj>
               </mc:Choice>
@@ -9996,6 +9996,7 @@
     <p:sldLayoutId id="2147483909" r:id="rId5"/>
     <p:sldLayoutId id="2147483910" r:id="rId6"/>
   </p:sldLayoutIdLst>
+  <p:hf sldNum="0" hdr="0" dt="0"/>
   <p:txStyles>
     <p:titleStyle>
       <a:lvl1pPr marL="0" marR="0" indent="0" algn="l" defTabSz="914400" rtl="0" eaLnBrk="1" fontAlgn="auto" latinLnBrk="0" hangingPunct="1">
@@ -10301,7 +10302,7 @@
       </a:lvl9pPr>
     </p:otherStyle>
   </p:txStyles>
-  <p:extLst>
+  <p:extLst mod="1">
     <p:ext uri="{27BBF7A9-308A-43DC-89C8-2F10F3537804}">
       <p15:sldGuideLst xmlns="" xmlns:p15="http://schemas.microsoft.com/office/powerpoint/2012/main">
         <p15:guide id="2" pos="7506">
@@ -11311,12 +11312,88 @@
             <p:ph type="subTitle" idx="1"/>
           </p:nvPr>
         </p:nvSpPr>
-        <p:spPr/>
+        <p:spPr>
+          <a:xfrm>
+            <a:off x="1128000" y="1845000"/>
+            <a:ext cx="10080000" cy="3888000"/>
+          </a:xfrm>
+        </p:spPr>
         <p:txBody>
-          <a:bodyPr/>
+          <a:bodyPr>
+            <a:normAutofit/>
+          </a:bodyPr>
           <a:lstStyle/>
           <a:p>
-            <a:endParaRPr lang="en-US" dirty="0"/>
+            <a:pPr algn="l"/>
+            <a:r>
+              <a:rPr lang="en-US" sz="2000" dirty="0" smtClean="0"/>
+              <a:t>In this module we have implemented Mockito Testing framework . In which we have tested both the “Behavior Verification” as well as the “Verify Interaction”.</a:t>
+            </a:r>
+          </a:p>
+          <a:p>
+            <a:pPr algn="l"/>
+            <a:endParaRPr lang="en-US" sz="2000" dirty="0"/>
+          </a:p>
+          <a:p>
+            <a:pPr algn="l"/>
+            <a:r>
+              <a:rPr lang="en-US" sz="2000" dirty="0"/>
+              <a:t>To add a behavior to the mocked class </a:t>
+            </a:r>
+            <a:r>
+              <a:rPr lang="en-US" sz="2000" dirty="0"/>
+              <a:t>when()</a:t>
+            </a:r>
+            <a:r>
+              <a:rPr lang="en-US" sz="2000" dirty="0"/>
+              <a:t> and </a:t>
+            </a:r>
+            <a:r>
+              <a:rPr lang="en-US" sz="2000" dirty="0" err="1"/>
+              <a:t>thenReturn</a:t>
+            </a:r>
+            <a:r>
+              <a:rPr lang="en-US" sz="2000" dirty="0"/>
+              <a:t>()</a:t>
+            </a:r>
+            <a:r>
+              <a:rPr lang="en-US" sz="2000" dirty="0"/>
+              <a:t> functions are used</a:t>
+            </a:r>
+            <a:r>
+              <a:rPr lang="en-US" sz="2000" dirty="0" smtClean="0"/>
+              <a:t>.</a:t>
+            </a:r>
+            <a:r>
+              <a:rPr lang="en-US" sz="2000" dirty="0">
+                <a:hlinkClick r:id="rId2"/>
+              </a:rPr>
+              <a:t> Mockito verify</a:t>
+            </a:r>
+            <a:r>
+              <a:rPr lang="en-US" sz="2000" dirty="0"/>
+              <a:t>() method checks that a method is called with the right </a:t>
+            </a:r>
+            <a:r>
+              <a:rPr lang="en-US" sz="2000" dirty="0" smtClean="0"/>
+              <a:t>parameters.</a:t>
+            </a:r>
+          </a:p>
+          <a:p>
+            <a:pPr algn="l"/>
+            <a:endParaRPr lang="en-US" sz="2000" dirty="0" smtClean="0"/>
+          </a:p>
+          <a:p>
+            <a:pPr algn="l"/>
+            <a:r>
+              <a:rPr lang="en-US" sz="2000" dirty="0" smtClean="0"/>
+              <a:t>Logger is implemented using log4j.</a:t>
+            </a:r>
+            <a:endParaRPr lang="en-US" sz="2000" dirty="0"/>
+          </a:p>
+          <a:p>
+            <a:pPr algn="l"/>
+            <a:endParaRPr lang="en-US" sz="2000" dirty="0"/>
           </a:p>
         </p:txBody>
       </p:sp>
@@ -11398,12 +11475,74 @@
             <p:ph type="subTitle" idx="1"/>
           </p:nvPr>
         </p:nvSpPr>
-        <p:spPr/>
+        <p:spPr>
+          <a:xfrm>
+            <a:off x="1200000" y="1701000"/>
+            <a:ext cx="9468000" cy="3556800"/>
+          </a:xfrm>
+        </p:spPr>
         <p:txBody>
           <a:bodyPr/>
           <a:lstStyle/>
           <a:p>
-            <a:endParaRPr lang="en-US"/>
+            <a:pPr marL="342900" indent="-342900" algn="l">
+              <a:buFont typeface="Arial" pitchFamily="34" charset="0"/>
+              <a:buChar char="•"/>
+            </a:pPr>
+            <a:r>
+              <a:rPr lang="en-US" dirty="0" smtClean="0"/>
+              <a:t>We have created EC2 Amazon Linux instance.</a:t>
+            </a:r>
+          </a:p>
+          <a:p>
+            <a:pPr marL="342900" indent="-342900" algn="l">
+              <a:buFont typeface="Arial" pitchFamily="34" charset="0"/>
+              <a:buChar char="•"/>
+            </a:pPr>
+            <a:r>
+              <a:rPr lang="en-US" dirty="0" smtClean="0"/>
+              <a:t>We have import the jar files from spring boot application.</a:t>
+            </a:r>
+          </a:p>
+          <a:p>
+            <a:pPr marL="342900" indent="-342900" algn="l">
+              <a:buFont typeface="Arial" pitchFamily="34" charset="0"/>
+              <a:buChar char="•"/>
+            </a:pPr>
+            <a:r>
+              <a:rPr lang="en-US" dirty="0" smtClean="0"/>
+              <a:t>Then we </a:t>
+            </a:r>
+            <a:r>
+              <a:rPr lang="en-US" dirty="0"/>
+              <a:t>h</a:t>
+            </a:r>
+            <a:r>
+              <a:rPr lang="en-US" dirty="0" smtClean="0"/>
+              <a:t>ave created a docker file to convert the jar files into docker images.</a:t>
+            </a:r>
+          </a:p>
+          <a:p>
+            <a:pPr marL="342900" indent="-342900" algn="l">
+              <a:buFont typeface="Arial" pitchFamily="34" charset="0"/>
+              <a:buChar char="•"/>
+            </a:pPr>
+            <a:r>
+              <a:rPr lang="en-US" dirty="0" smtClean="0"/>
+              <a:t>Docker image will create the environment for mysql</a:t>
+            </a:r>
+            <a:r>
+              <a:rPr lang="en-US" dirty="0"/>
+              <a:t>.</a:t>
+            </a:r>
+            <a:endParaRPr lang="en-US" dirty="0" smtClean="0"/>
+          </a:p>
+          <a:p>
+            <a:pPr marL="342900" indent="-342900" algn="l">
+              <a:buFont typeface="Arial" pitchFamily="34" charset="0"/>
+              <a:buChar char="•"/>
+            </a:pPr>
+            <a:endParaRPr lang="en-US" dirty="0"/>
           </a:p>
         </p:txBody>
       </p:sp>
@@ -12330,8 +12469,71 @@
             </a:pPr>
             <a:r>
               <a:rPr lang="en-US" sz="2000" dirty="0" smtClean="0"/>
-              <a:t>In this functionality user will choose the Employee Id, Expense Code Id, Project Code Id and have to enter start date ,end date,</a:t>
+              <a:t>In this functionality user will choose the Employee Id, Expense Code Id, Project Code Id from drop-down menu.</a:t>
             </a:r>
+          </a:p>
+          <a:p>
+            <a:pPr marL="342900" indent="-342900" algn="l">
+              <a:buFont typeface="Arial" pitchFamily="34" charset="0"/>
+              <a:buChar char="•"/>
+            </a:pPr>
+            <a:r>
+              <a:rPr lang="en-US" sz="2000" dirty="0"/>
+              <a:t>If valid, the corresponding details will be fetched from Employee Code Module and </a:t>
+            </a:r>
+            <a:r>
+              <a:rPr lang="en-US" sz="2000" dirty="0" smtClean="0"/>
+              <a:t>displayed else , the </a:t>
+            </a:r>
+            <a:r>
+              <a:rPr lang="en-US" sz="2000" dirty="0"/>
+              <a:t>error message will be displayed and the user will not be able to proceed </a:t>
+            </a:r>
+            <a:r>
+              <a:rPr lang="en-US" sz="2000" dirty="0" smtClean="0"/>
+              <a:t>further.</a:t>
+            </a:r>
+          </a:p>
+          <a:p>
+            <a:pPr marL="342900" indent="-342900" algn="l">
+              <a:buFont typeface="Arial" pitchFamily="34" charset="0"/>
+              <a:buChar char="•"/>
+            </a:pPr>
+            <a:r>
+              <a:rPr lang="en-US" sz="2000" dirty="0" smtClean="0"/>
+              <a:t>User will enter start date , end date, Expense Amount.</a:t>
+            </a:r>
+          </a:p>
+          <a:p>
+            <a:pPr marL="342900" indent="-342900" algn="l">
+              <a:buFont typeface="Arial" pitchFamily="34" charset="0"/>
+              <a:buChar char="•"/>
+            </a:pPr>
+            <a:r>
+              <a:rPr lang="en-US" sz="2000" dirty="0" smtClean="0"/>
+              <a:t>After validation is done on comparing dates the values will be stored </a:t>
+            </a:r>
+            <a:r>
+              <a:rPr lang="en-US" sz="2000" dirty="0"/>
+              <a:t>into the </a:t>
+            </a:r>
+            <a:r>
+              <a:rPr lang="en-US" sz="2000" dirty="0" smtClean="0"/>
+              <a:t>database.</a:t>
+            </a:r>
+          </a:p>
+          <a:p>
+            <a:pPr marL="342900" indent="-342900" algn="l">
+              <a:buFont typeface="Arial" pitchFamily="34" charset="0"/>
+              <a:buChar char="•"/>
+            </a:pPr>
+            <a:r>
+              <a:rPr lang="en-US" sz="2000" dirty="0" smtClean="0"/>
+              <a:t>The Expense Claim Id will be auto-generated.</a:t>
+            </a:r>
+          </a:p>
+          <a:p>
+            <a:pPr algn="l"/>
             <a:endParaRPr lang="en-US" sz="2000" dirty="0"/>
           </a:p>
         </p:txBody>
@@ -12419,7 +12621,7 @@
           <a:bodyPr/>
           <a:lstStyle/>
           <a:p>
-            <a:endParaRPr lang="en-US"/>
+            <a:endParaRPr lang="en-US" dirty="0"/>
           </a:p>
         </p:txBody>
       </p:sp>

--- a/PLP_PPT.pptx
+++ b/PLP_PPT.pptx
@@ -13,11 +13,11 @@
   </p:handoutMasterIdLst>
   <p:sldIdLst>
     <p:sldId id="340" r:id="rId6"/>
-    <p:sldId id="341" r:id="rId7"/>
-    <p:sldId id="342" r:id="rId8"/>
-    <p:sldId id="343" r:id="rId9"/>
-    <p:sldId id="344" r:id="rId10"/>
-    <p:sldId id="353" r:id="rId11"/>
+    <p:sldId id="342" r:id="rId7"/>
+    <p:sldId id="343" r:id="rId8"/>
+    <p:sldId id="344" r:id="rId9"/>
+    <p:sldId id="353" r:id="rId10"/>
+    <p:sldId id="357" r:id="rId11"/>
     <p:sldId id="346" r:id="rId12"/>
     <p:sldId id="347" r:id="rId13"/>
     <p:sldId id="348" r:id="rId14"/>
@@ -128,7 +128,7 @@
   </p:defaultTextStyle>
   <p:extLst>
     <p:ext uri="{EFAFB233-063F-42B5-8137-9DF3F51BA10A}">
-      <p15:sldGuideLst xmlns:p15="http://schemas.microsoft.com/office/powerpoint/2012/main">
+      <p15:sldGuideLst xmlns="" xmlns:p15="http://schemas.microsoft.com/office/powerpoint/2012/main">
         <p15:guide id="5" orient="horz" pos="2341" userDrawn="1">
           <p15:clr>
             <a:srgbClr val="A4A3A4"/>
@@ -142,7 +142,7 @@
       </p15:sldGuideLst>
     </p:ext>
     <p:ext uri="{2D200454-40CA-4A62-9FC3-DE9A4176ACB9}">
-      <p15:notesGuideLst xmlns:p15="http://schemas.microsoft.com/office/powerpoint/2012/main"/>
+      <p15:notesGuideLst xmlns="" xmlns:p15="http://schemas.microsoft.com/office/powerpoint/2012/main"/>
     </p:ext>
   </p:extLst>
 </p:presentation>
@@ -802,7 +802,7 @@
           <a:graphicData uri="http://schemas.openxmlformats.org/presentationml/2006/ole">
             <mc:AlternateContent xmlns:mc="http://schemas.openxmlformats.org/markup-compatibility/2006">
               <mc:Choice xmlns:v="urn:schemas-microsoft-com:vml" Requires="v">
-                <p:oleObj spid="_x0000_s33811" name="think-cell Slide" r:id="rId4" imgW="270" imgH="270" progId="TCLayout.ActiveDocument.1">
+                <p:oleObj spid="_x0000_s33817" name="think-cell Slide" r:id="rId4" imgW="270" imgH="270" progId="TCLayout.ActiveDocument.1">
                   <p:embed/>
                 </p:oleObj>
               </mc:Choice>
@@ -1591,7 +1591,7 @@
   </p:clrMapOvr>
   <p:extLst>
     <p:ext uri="{DCECCB84-F9BA-43D5-87BE-67443E8EF086}">
-      <p15:sldGuideLst xmlns:p15="http://schemas.microsoft.com/office/powerpoint/2012/main">
+      <p15:sldGuideLst xmlns="" xmlns:p15="http://schemas.microsoft.com/office/powerpoint/2012/main">
         <p15:guide id="1" orient="horz" pos="3339" userDrawn="1">
           <p15:clr>
             <a:srgbClr val="FBAE40"/>
@@ -2466,7 +2466,7 @@
           <a:graphicData uri="http://schemas.openxmlformats.org/presentationml/2006/ole">
             <mc:AlternateContent xmlns:mc="http://schemas.openxmlformats.org/markup-compatibility/2006">
               <mc:Choice xmlns:v="urn:schemas-microsoft-com:vml" Requires="v">
-                <p:oleObj spid="_x0000_s34835" name="think-cell Slide" r:id="rId4" imgW="270" imgH="270" progId="TCLayout.ActiveDocument.1">
+                <p:oleObj spid="_x0000_s34841" name="think-cell Slide" r:id="rId4" imgW="270" imgH="270" progId="TCLayout.ActiveDocument.1">
                   <p:embed/>
                 </p:oleObj>
               </mc:Choice>
@@ -2679,7 +2679,7 @@
   </p:clrMapOvr>
   <p:extLst>
     <p:ext uri="{DCECCB84-F9BA-43D5-87BE-67443E8EF086}">
-      <p15:sldGuideLst xmlns:p15="http://schemas.microsoft.com/office/powerpoint/2012/main">
+      <p15:sldGuideLst xmlns="" xmlns:p15="http://schemas.microsoft.com/office/powerpoint/2012/main">
         <p15:guide id="1" orient="horz" pos="3339" userDrawn="1">
           <p15:clr>
             <a:srgbClr val="FBAE40"/>
@@ -3592,7 +3592,7 @@
           <a:graphicData uri="http://schemas.openxmlformats.org/presentationml/2006/ole">
             <mc:AlternateContent xmlns:mc="http://schemas.openxmlformats.org/markup-compatibility/2006">
               <mc:Choice xmlns:v="urn:schemas-microsoft-com:vml" Requires="v">
-                <p:oleObj spid="_x0000_s35859" name="think-cell Slide" r:id="rId4" imgW="270" imgH="270" progId="TCLayout.ActiveDocument.1">
+                <p:oleObj spid="_x0000_s35865" name="think-cell Slide" r:id="rId4" imgW="270" imgH="270" progId="TCLayout.ActiveDocument.1">
                   <p:embed/>
                 </p:oleObj>
               </mc:Choice>
@@ -3831,7 +3831,7 @@
   </p:clrMapOvr>
   <p:extLst>
     <p:ext uri="{DCECCB84-F9BA-43D5-87BE-67443E8EF086}">
-      <p15:sldGuideLst xmlns:p15="http://schemas.microsoft.com/office/powerpoint/2012/main">
+      <p15:sldGuideLst xmlns="" xmlns:p15="http://schemas.microsoft.com/office/powerpoint/2012/main">
         <p15:guide id="1" orient="horz" pos="935" userDrawn="1">
           <p15:clr>
             <a:srgbClr val="FBAE40"/>
@@ -3893,7 +3893,7 @@
           <a:graphicData uri="http://schemas.openxmlformats.org/presentationml/2006/ole">
             <mc:AlternateContent xmlns:mc="http://schemas.openxmlformats.org/markup-compatibility/2006">
               <mc:Choice xmlns:v="urn:schemas-microsoft-com:vml" Requires="v">
-                <p:oleObj spid="_x0000_s36883" name="think-cell Slide" r:id="rId4" imgW="270" imgH="270" progId="TCLayout.ActiveDocument.1">
+                <p:oleObj spid="_x0000_s36889" name="think-cell Slide" r:id="rId4" imgW="270" imgH="270" progId="TCLayout.ActiveDocument.1">
                   <p:embed/>
                 </p:oleObj>
               </mc:Choice>
@@ -5905,7 +5905,7 @@
   </p:clrMapOvr>
   <p:extLst>
     <p:ext uri="{DCECCB84-F9BA-43D5-87BE-67443E8EF086}">
-      <p15:sldGuideLst xmlns:p15="http://schemas.microsoft.com/office/powerpoint/2012/main">
+      <p15:sldGuideLst xmlns="" xmlns:p15="http://schemas.microsoft.com/office/powerpoint/2012/main">
         <p15:guide id="2" orient="horz" pos="935" userDrawn="1">
           <p15:clr>
             <a:srgbClr val="FBAE40"/>
@@ -5954,7 +5954,7 @@
           <a:graphicData uri="http://schemas.openxmlformats.org/presentationml/2006/ole">
             <mc:AlternateContent xmlns:mc="http://schemas.openxmlformats.org/markup-compatibility/2006">
               <mc:Choice xmlns:v="urn:schemas-microsoft-com:vml" Requires="v">
-                <p:oleObj spid="_x0000_s37907" name="think-cell Slide" r:id="rId4" imgW="270" imgH="270" progId="TCLayout.ActiveDocument.1">
+                <p:oleObj spid="_x0000_s37913" name="think-cell Slide" r:id="rId4" imgW="270" imgH="270" progId="TCLayout.ActiveDocument.1">
                   <p:embed/>
                 </p:oleObj>
               </mc:Choice>
@@ -7816,7 +7816,7 @@
   </p:clrMapOvr>
   <p:extLst>
     <p:ext uri="{DCECCB84-F9BA-43D5-87BE-67443E8EF086}">
-      <p15:sldGuideLst xmlns:p15="http://schemas.microsoft.com/office/powerpoint/2012/main">
+      <p15:sldGuideLst xmlns="" xmlns:p15="http://schemas.microsoft.com/office/powerpoint/2012/main">
         <p15:guide id="1" orient="horz" pos="3339" userDrawn="1">
           <p15:clr>
             <a:srgbClr val="FBAE40"/>
@@ -7865,7 +7865,7 @@
           <a:graphicData uri="http://schemas.openxmlformats.org/presentationml/2006/ole">
             <mc:AlternateContent xmlns:mc="http://schemas.openxmlformats.org/markup-compatibility/2006">
               <mc:Choice xmlns:v="urn:schemas-microsoft-com:vml" Requires="v">
-                <p:oleObj spid="_x0000_s38931" name="think-cell Slide" r:id="rId4" imgW="270" imgH="270" progId="TCLayout.ActiveDocument.1">
+                <p:oleObj spid="_x0000_s38937" name="think-cell Slide" r:id="rId4" imgW="270" imgH="270" progId="TCLayout.ActiveDocument.1">
                   <p:embed/>
                 </p:oleObj>
               </mc:Choice>
@@ -9727,7 +9727,7 @@
   </p:clrMapOvr>
   <p:extLst>
     <p:ext uri="{DCECCB84-F9BA-43D5-87BE-67443E8EF086}">
-      <p15:sldGuideLst xmlns:p15="http://schemas.microsoft.com/office/powerpoint/2012/main">
+      <p15:sldGuideLst xmlns="" xmlns:p15="http://schemas.microsoft.com/office/powerpoint/2012/main">
         <p15:guide id="1" orient="horz" pos="3339" userDrawn="1">
           <p15:clr>
             <a:srgbClr val="FBAE40"/>
@@ -9926,7 +9926,7 @@
           <a:graphicData uri="http://schemas.openxmlformats.org/presentationml/2006/ole">
             <mc:AlternateContent xmlns:mc="http://schemas.openxmlformats.org/markup-compatibility/2006">
               <mc:Choice xmlns:v="urn:schemas-microsoft-com:vml" Requires="v">
-                <p:oleObj spid="_x0000_s32787" name="think-cell Slide" r:id="rId10" imgW="270" imgH="270" progId="TCLayout.ActiveDocument.1">
+                <p:oleObj spid="_x0000_s32793" name="think-cell Slide" r:id="rId10" imgW="270" imgH="270" progId="TCLayout.ActiveDocument.1">
                   <p:embed/>
                 </p:oleObj>
               </mc:Choice>
@@ -10303,7 +10303,7 @@
   </p:txStyles>
   <p:extLst>
     <p:ext uri="{27BBF7A9-308A-43DC-89C8-2F10F3537804}">
-      <p15:sldGuideLst xmlns:p15="http://schemas.microsoft.com/office/powerpoint/2012/main">
+      <p15:sldGuideLst xmlns="" xmlns:p15="http://schemas.microsoft.com/office/powerpoint/2012/main">
         <p15:guide id="2" pos="7506">
           <p15:clr>
             <a:srgbClr val="F26B43"/>
@@ -11032,7 +11032,7 @@
   </p:txStyles>
   <p:extLst>
     <p:ext uri="{27BBF7A9-308A-43DC-89C8-2F10F3537804}">
-      <p15:sldGuideLst xmlns:p15="http://schemas.microsoft.com/office/powerpoint/2012/main">
+      <p15:sldGuideLst xmlns="" xmlns:p15="http://schemas.microsoft.com/office/powerpoint/2012/main">
         <p15:guide id="1" orient="horz" pos="255" userDrawn="1">
           <p15:clr>
             <a:srgbClr val="F26B43"/>
@@ -11144,9 +11144,10 @@
           <a:lstStyle/>
           <a:p>
             <a:r>
-              <a:rPr lang="en-US" dirty="0"/>
-              <a:t>Location, Date, Author</a:t>
+              <a:rPr lang="en-US" dirty="0" smtClean="0"/>
+              <a:t>Oct-04-2019</a:t>
             </a:r>
+            <a:endParaRPr lang="en-US" dirty="0"/>
           </a:p>
         </p:txBody>
       </p:sp>
@@ -11276,6 +11277,47 @@
           </a:p>
         </p:txBody>
       </p:sp>
+      <p:pic>
+        <p:nvPicPr>
+          <p:cNvPr id="43010" name="Picture 2" descr="C:\Users\amanjosi\Downloads\picds\DeleteClaim.PNG"/>
+          <p:cNvPicPr>
+            <a:picLocks noChangeAspect="1" noChangeArrowheads="1"/>
+          </p:cNvPicPr>
+          <p:nvPr/>
+        </p:nvPicPr>
+        <p:blipFill>
+          <a:blip r:embed="rId2">
+            <a:extLst>
+              <a:ext uri="{28A0092B-C50C-407E-A947-70E740481C1C}">
+                <a14:useLocalDpi xmlns:a14="http://schemas.microsoft.com/office/drawing/2010/main" val="0"/>
+              </a:ext>
+            </a:extLst>
+          </a:blip>
+          <a:srcRect/>
+          <a:stretch>
+            <a:fillRect/>
+          </a:stretch>
+        </p:blipFill>
+        <p:spPr bwMode="auto">
+          <a:xfrm>
+            <a:off x="2062692" y="2492999"/>
+            <a:ext cx="6265307" cy="3816001"/>
+          </a:xfrm>
+          <a:prstGeom prst="rect">
+            <a:avLst/>
+          </a:prstGeom>
+          <a:noFill/>
+          <a:extLst>
+            <a:ext uri="{909E8E84-426E-40DD-AFC4-6F175D3DCCD1}">
+              <a14:hiddenFill xmlns:a14="http://schemas.microsoft.com/office/drawing/2010/main">
+                <a:solidFill>
+                  <a:srgbClr val="FFFFFF"/>
+                </a:solidFill>
+              </a14:hiddenFill>
+            </a:ext>
+          </a:extLst>
+        </p:spPr>
+      </p:pic>
     </p:spTree>
     <p:extLst>
       <p:ext uri="{BB962C8B-B14F-4D97-AF65-F5344CB8AC3E}">
@@ -11380,15 +11422,7 @@
             <a:pPr algn="l"/>
             <a:r>
               <a:rPr lang="en-US" sz="2000" dirty="0"/>
-              <a:t>To add a behavior to the mocked class when() and </a:t>
-            </a:r>
-            <a:r>
-              <a:rPr lang="en-US" sz="2000" dirty="0" err="1"/>
-              <a:t>thenReturn</a:t>
-            </a:r>
-            <a:r>
-              <a:rPr lang="en-US" sz="2000" dirty="0"/>
-              <a:t>() functions are </a:t>
+              <a:t>To add a behavior to the mocked class when() and thenReturn() functions are </a:t>
             </a:r>
             <a:r>
               <a:rPr lang="en-US" sz="2000" dirty="0" smtClean="0"/>
@@ -11399,26 +11433,12 @@
               <a:t> </a:t>
             </a:r>
             <a:r>
-              <a:rPr lang="en-US" sz="2000" dirty="0" err="1" smtClean="0">
-                <a:hlinkClick r:id="rId2"/>
-              </a:rPr>
-              <a:t>Mockito</a:t>
-            </a:r>
-            <a:r>
-              <a:rPr lang="en-US" sz="2000" dirty="0" smtClean="0">
-                <a:hlinkClick r:id="rId2"/>
-              </a:rPr>
-              <a:t> </a:t>
-            </a:r>
-            <a:r>
-              <a:rPr lang="en-US" sz="2000" dirty="0">
-                <a:hlinkClick r:id="rId2"/>
-              </a:rPr>
-              <a:t>verify</a:t>
+              <a:rPr lang="en-US" sz="2000" dirty="0" smtClean="0"/>
+              <a:t>Mockito </a:t>
             </a:r>
             <a:r>
               <a:rPr lang="en-US" sz="2000" dirty="0"/>
-              <a:t>() method checks that a method is called with the right </a:t>
+              <a:t>verify() method checks that a method is called with the right </a:t>
             </a:r>
             <a:r>
               <a:rPr lang="en-US" sz="2000" dirty="0" smtClean="0"/>
@@ -11547,7 +11567,11 @@
             </a:pPr>
             <a:r>
               <a:rPr lang="en-US" dirty="0" smtClean="0"/>
-              <a:t>We have import the jar files from spring boot application.</a:t>
+              <a:t>Jar files were imported </a:t>
+            </a:r>
+            <a:r>
+              <a:rPr lang="en-US" dirty="0" smtClean="0"/>
+              <a:t>from spring boot application.</a:t>
             </a:r>
           </a:p>
           <a:p>
@@ -11675,106 +11699,6 @@
 </file>
 
 <file path=ppt/slides/slide2.xml><?xml version="1.0" encoding="utf-8"?>
-<p:sld xmlns:a="http://schemas.openxmlformats.org/drawingml/2006/main" xmlns:r="http://schemas.openxmlformats.org/officeDocument/2006/relationships" xmlns:p="http://schemas.openxmlformats.org/presentationml/2006/main" show="0">
-  <p:cSld>
-    <p:spTree>
-      <p:nvGrpSpPr>
-        <p:cNvPr id="1" name=""/>
-        <p:cNvGrpSpPr/>
-        <p:nvPr/>
-      </p:nvGrpSpPr>
-      <p:grpSpPr>
-        <a:xfrm>
-          <a:off x="0" y="0"/>
-          <a:ext cx="0" cy="0"/>
-          <a:chOff x="0" y="0"/>
-          <a:chExt cx="0" cy="0"/>
-        </a:xfrm>
-      </p:grpSpPr>
-      <p:sp>
-        <p:nvSpPr>
-          <p:cNvPr id="3" name="Title 2"/>
-          <p:cNvSpPr>
-            <a:spLocks noGrp="1"/>
-          </p:cNvSpPr>
-          <p:nvPr>
-            <p:ph type="ctrTitle"/>
-          </p:nvPr>
-        </p:nvSpPr>
-        <p:spPr>
-          <a:xfrm>
-            <a:off x="1600200" y="381000"/>
-            <a:ext cx="7772400" cy="914400"/>
-          </a:xfrm>
-        </p:spPr>
-        <p:txBody>
-          <a:bodyPr>
-            <a:normAutofit/>
-          </a:bodyPr>
-          <a:lstStyle/>
-          <a:p>
-            <a:pPr algn="l"/>
-            <a:r>
-              <a:rPr lang="en-US" sz="3600" dirty="0" smtClean="0"/>
-              <a:t>ABSTRACT</a:t>
-            </a:r>
-            <a:endParaRPr lang="en-US" sz="3600" dirty="0"/>
-          </a:p>
-        </p:txBody>
-      </p:sp>
-      <p:sp>
-        <p:nvSpPr>
-          <p:cNvPr id="4" name="Subtitle 3"/>
-          <p:cNvSpPr>
-            <a:spLocks noGrp="1"/>
-          </p:cNvSpPr>
-          <p:nvPr>
-            <p:ph type="subTitle" idx="1"/>
-          </p:nvPr>
-        </p:nvSpPr>
-        <p:spPr>
-          <a:xfrm>
-            <a:off x="1524000" y="1524000"/>
-            <a:ext cx="9144000" cy="3733800"/>
-          </a:xfrm>
-        </p:spPr>
-        <p:txBody>
-          <a:bodyPr/>
-          <a:lstStyle/>
-          <a:p>
-            <a:endParaRPr lang="en-US" dirty="0"/>
-          </a:p>
-        </p:txBody>
-      </p:sp>
-    </p:spTree>
-    <p:extLst>
-      <p:ext uri="{BB962C8B-B14F-4D97-AF65-F5344CB8AC3E}">
-        <p14:creationId xmlns:p14="http://schemas.microsoft.com/office/powerpoint/2010/main" val="3949378732"/>
-      </p:ext>
-    </p:extLst>
-  </p:cSld>
-  <p:clrMapOvr>
-    <a:masterClrMapping/>
-  </p:clrMapOvr>
-  <mc:AlternateContent xmlns:mc="http://schemas.openxmlformats.org/markup-compatibility/2006">
-    <mc:Choice xmlns:p14="http://schemas.microsoft.com/office/powerpoint/2010/main" Requires="p14">
-      <p:transition spd="slow" p14:dur="2000"/>
-    </mc:Choice>
-    <mc:Fallback>
-      <p:transition spd="slow"/>
-    </mc:Fallback>
-  </mc:AlternateContent>
-  <p:timing>
-    <p:tnLst>
-      <p:par>
-        <p:cTn id="1" dur="indefinite" restart="never" nodeType="tmRoot"/>
-      </p:par>
-    </p:tnLst>
-  </p:timing>
-</p:sld>
-</file>
-
-<file path=ppt/slides/slide3.xml><?xml version="1.0" encoding="utf-8"?>
 <p:sld xmlns:a="http://schemas.openxmlformats.org/drawingml/2006/main" xmlns:r="http://schemas.openxmlformats.org/officeDocument/2006/relationships" xmlns:p="http://schemas.openxmlformats.org/presentationml/2006/main">
   <p:cSld>
     <p:spTree>
@@ -12205,7 +12129,7 @@
 </p:sld>
 </file>
 
-<file path=ppt/slides/slide4.xml><?xml version="1.0" encoding="utf-8"?>
+<file path=ppt/slides/slide3.xml><?xml version="1.0" encoding="utf-8"?>
 <p:sld xmlns:a="http://schemas.openxmlformats.org/drawingml/2006/main" xmlns:r="http://schemas.openxmlformats.org/officeDocument/2006/relationships" xmlns:p="http://schemas.openxmlformats.org/presentationml/2006/main">
   <p:cSld>
     <p:spTree>
@@ -12351,7 +12275,7 @@
 </p:sld>
 </file>
 
-<file path=ppt/slides/slide5.xml><?xml version="1.0" encoding="utf-8"?>
+<file path=ppt/slides/slide4.xml><?xml version="1.0" encoding="utf-8"?>
 <p:sld xmlns:a="http://schemas.openxmlformats.org/drawingml/2006/main" xmlns:r="http://schemas.openxmlformats.org/officeDocument/2006/relationships" xmlns:p="http://schemas.openxmlformats.org/presentationml/2006/main">
   <p:cSld>
     <p:spTree>
@@ -12493,7 +12417,7 @@
 </p:sld>
 </file>
 
-<file path=ppt/slides/slide6.xml><?xml version="1.0" encoding="utf-8"?>
+<file path=ppt/slides/slide5.xml><?xml version="1.0" encoding="utf-8"?>
 <p:sld xmlns:a="http://schemas.openxmlformats.org/drawingml/2006/main" xmlns:r="http://schemas.openxmlformats.org/officeDocument/2006/relationships" xmlns:p="http://schemas.openxmlformats.org/presentationml/2006/main">
   <p:cSld>
     <p:spTree>
@@ -12666,6 +12590,122 @@
 </p:sld>
 </file>
 
+<file path=ppt/slides/slide6.xml><?xml version="1.0" encoding="utf-8"?>
+<p:sld xmlns:a="http://schemas.openxmlformats.org/drawingml/2006/main" xmlns:r="http://schemas.openxmlformats.org/officeDocument/2006/relationships" xmlns:p="http://schemas.openxmlformats.org/presentationml/2006/main">
+  <p:cSld>
+    <p:spTree>
+      <p:nvGrpSpPr>
+        <p:cNvPr id="1" name=""/>
+        <p:cNvGrpSpPr/>
+        <p:nvPr/>
+      </p:nvGrpSpPr>
+      <p:grpSpPr>
+        <a:xfrm>
+          <a:off x="0" y="0"/>
+          <a:ext cx="0" cy="0"/>
+          <a:chOff x="0" y="0"/>
+          <a:chExt cx="0" cy="0"/>
+        </a:xfrm>
+      </p:grpSpPr>
+      <p:sp>
+        <p:nvSpPr>
+          <p:cNvPr id="2" name="Title 1"/>
+          <p:cNvSpPr>
+            <a:spLocks noGrp="1"/>
+          </p:cNvSpPr>
+          <p:nvPr>
+            <p:ph type="ctrTitle"/>
+          </p:nvPr>
+        </p:nvSpPr>
+        <p:spPr/>
+        <p:txBody>
+          <a:bodyPr/>
+          <a:lstStyle/>
+          <a:p>
+            <a:endParaRPr lang="en-US"/>
+          </a:p>
+        </p:txBody>
+      </p:sp>
+      <p:sp>
+        <p:nvSpPr>
+          <p:cNvPr id="3" name="Subtitle 2"/>
+          <p:cNvSpPr>
+            <a:spLocks noGrp="1"/>
+          </p:cNvSpPr>
+          <p:nvPr>
+            <p:ph type="subTitle" idx="1"/>
+          </p:nvPr>
+        </p:nvSpPr>
+        <p:spPr/>
+        <p:txBody>
+          <a:bodyPr/>
+          <a:lstStyle/>
+          <a:p>
+            <a:endParaRPr lang="en-US"/>
+          </a:p>
+        </p:txBody>
+      </p:sp>
+      <p:pic>
+        <p:nvPicPr>
+          <p:cNvPr id="44034" name="Picture 2" descr="C:\Users\amanjosi\Downloads\picds\AddClaim.PNG"/>
+          <p:cNvPicPr>
+            <a:picLocks noChangeAspect="1" noChangeArrowheads="1"/>
+          </p:cNvPicPr>
+          <p:nvPr/>
+        </p:nvPicPr>
+        <p:blipFill>
+          <a:blip r:embed="rId2">
+            <a:extLst>
+              <a:ext uri="{28A0092B-C50C-407E-A947-70E740481C1C}">
+                <a14:useLocalDpi xmlns:a14="http://schemas.microsoft.com/office/drawing/2010/main" val="0"/>
+              </a:ext>
+            </a:extLst>
+          </a:blip>
+          <a:srcRect/>
+          <a:stretch>
+            <a:fillRect/>
+          </a:stretch>
+        </p:blipFill>
+        <p:spPr bwMode="auto">
+          <a:xfrm>
+            <a:off x="120000" y="70214"/>
+            <a:ext cx="11931420" cy="6670786"/>
+          </a:xfrm>
+          <a:prstGeom prst="rect">
+            <a:avLst/>
+          </a:prstGeom>
+          <a:noFill/>
+          <a:extLst>
+            <a:ext uri="{909E8E84-426E-40DD-AFC4-6F175D3DCCD1}">
+              <a14:hiddenFill xmlns:a14="http://schemas.microsoft.com/office/drawing/2010/main">
+                <a:solidFill>
+                  <a:srgbClr val="FFFFFF"/>
+                </a:solidFill>
+              </a14:hiddenFill>
+            </a:ext>
+          </a:extLst>
+        </p:spPr>
+      </p:pic>
+    </p:spTree>
+    <p:extLst>
+      <p:ext uri="{BB962C8B-B14F-4D97-AF65-F5344CB8AC3E}">
+        <p14:creationId xmlns:p14="http://schemas.microsoft.com/office/powerpoint/2010/main" val="262559090"/>
+      </p:ext>
+    </p:extLst>
+  </p:cSld>
+  <p:clrMapOvr>
+    <a:masterClrMapping/>
+  </p:clrMapOvr>
+  <p:timing>
+    <p:tnLst>
+      <p:par>
+        <p:cTn id="1" dur="indefinite" restart="never" nodeType="tmRoot"/>
+      </p:par>
+    </p:tnLst>
+  </p:timing>
+</p:sld>
+</file>
+
 <file path=ppt/slides/slide7.xml><?xml version="1.0" encoding="utf-8"?>
 <p:sld xmlns:a="http://schemas.openxmlformats.org/drawingml/2006/main" xmlns:r="http://schemas.openxmlformats.org/officeDocument/2006/relationships" xmlns:p="http://schemas.openxmlformats.org/presentationml/2006/main">
   <p:cSld>
@@ -12748,6 +12788,47 @@
           </a:p>
         </p:txBody>
       </p:sp>
+      <p:pic>
+        <p:nvPicPr>
+          <p:cNvPr id="39939" name="Picture 3" descr="C:\Users\amanjosi\Downloads\picds\ViewAll.PNG"/>
+          <p:cNvPicPr>
+            <a:picLocks noChangeAspect="1" noChangeArrowheads="1"/>
+          </p:cNvPicPr>
+          <p:nvPr/>
+        </p:nvPicPr>
+        <p:blipFill>
+          <a:blip r:embed="rId2">
+            <a:extLst>
+              <a:ext uri="{28A0092B-C50C-407E-A947-70E740481C1C}">
+                <a14:useLocalDpi xmlns:a14="http://schemas.microsoft.com/office/drawing/2010/main" val="0"/>
+              </a:ext>
+            </a:extLst>
+          </a:blip>
+          <a:srcRect/>
+          <a:stretch>
+            <a:fillRect/>
+          </a:stretch>
+        </p:blipFill>
+        <p:spPr bwMode="auto">
+          <a:xfrm>
+            <a:off x="1632000" y="2140739"/>
+            <a:ext cx="7056000" cy="4122340"/>
+          </a:xfrm>
+          <a:prstGeom prst="rect">
+            <a:avLst/>
+          </a:prstGeom>
+          <a:noFill/>
+          <a:extLst>
+            <a:ext uri="{909E8E84-426E-40DD-AFC4-6F175D3DCCD1}">
+              <a14:hiddenFill xmlns:a14="http://schemas.microsoft.com/office/drawing/2010/main">
+                <a:solidFill>
+                  <a:srgbClr val="FFFFFF"/>
+                </a:solidFill>
+              </a14:hiddenFill>
+            </a:ext>
+          </a:extLst>
+        </p:spPr>
+      </p:pic>
     </p:spTree>
     <p:extLst>
       <p:ext uri="{BB962C8B-B14F-4D97-AF65-F5344CB8AC3E}">
@@ -12874,6 +12955,134 @@
           </a:p>
         </p:txBody>
       </p:sp>
+      <p:pic>
+        <p:nvPicPr>
+          <p:cNvPr id="40964" name="Picture 4"/>
+          <p:cNvPicPr>
+            <a:picLocks noChangeAspect="1" noChangeArrowheads="1"/>
+          </p:cNvPicPr>
+          <p:nvPr/>
+        </p:nvPicPr>
+        <p:blipFill>
+          <a:blip r:embed="rId2">
+            <a:extLst>
+              <a:ext uri="{28A0092B-C50C-407E-A947-70E740481C1C}">
+                <a14:useLocalDpi xmlns:a14="http://schemas.microsoft.com/office/drawing/2010/main" val="0"/>
+              </a:ext>
+            </a:extLst>
+          </a:blip>
+          <a:srcRect/>
+          <a:stretch>
+            <a:fillRect/>
+          </a:stretch>
+        </p:blipFill>
+        <p:spPr bwMode="auto">
+          <a:xfrm>
+            <a:off x="1920000" y="2349000"/>
+            <a:ext cx="6840000" cy="2232000"/>
+          </a:xfrm>
+          <a:prstGeom prst="rect">
+            <a:avLst/>
+          </a:prstGeom>
+          <a:noFill/>
+          <a:ln>
+            <a:noFill/>
+          </a:ln>
+          <a:effectLst/>
+          <a:extLst>
+            <a:ext uri="{909E8E84-426E-40DD-AFC4-6F175D3DCCD1}">
+              <a14:hiddenFill xmlns:a14="http://schemas.microsoft.com/office/drawing/2010/main">
+                <a:solidFill>
+                  <a:schemeClr val="accent1"/>
+                </a:solidFill>
+              </a14:hiddenFill>
+            </a:ext>
+            <a:ext uri="{91240B29-F687-4F45-9708-019B960494DF}">
+              <a14:hiddenLine xmlns:a14="http://schemas.microsoft.com/office/drawing/2010/main" w="9525">
+                <a:solidFill>
+                  <a:schemeClr val="tx1"/>
+                </a:solidFill>
+                <a:miter lim="800000"/>
+                <a:headEnd/>
+                <a:tailEnd/>
+              </a14:hiddenLine>
+            </a:ext>
+            <a:ext uri="{AF507438-7753-43E0-B8FC-AC1667EBCBE1}">
+              <a14:hiddenEffects xmlns:a14="http://schemas.microsoft.com/office/drawing/2010/main">
+                <a:effectLst>
+                  <a:outerShdw dist="35921" dir="2700000" algn="ctr" rotWithShape="0">
+                    <a:schemeClr val="bg2"/>
+                  </a:outerShdw>
+                </a:effectLst>
+              </a14:hiddenEffects>
+            </a:ext>
+          </a:extLst>
+        </p:spPr>
+      </p:pic>
+      <p:pic>
+        <p:nvPicPr>
+          <p:cNvPr id="40965" name="Picture 5"/>
+          <p:cNvPicPr>
+            <a:picLocks noChangeAspect="1" noChangeArrowheads="1"/>
+          </p:cNvPicPr>
+          <p:nvPr/>
+        </p:nvPicPr>
+        <p:blipFill>
+          <a:blip r:embed="rId3">
+            <a:extLst>
+              <a:ext uri="{28A0092B-C50C-407E-A947-70E740481C1C}">
+                <a14:useLocalDpi xmlns:a14="http://schemas.microsoft.com/office/drawing/2010/main" val="0"/>
+              </a:ext>
+            </a:extLst>
+          </a:blip>
+          <a:srcRect/>
+          <a:stretch>
+            <a:fillRect/>
+          </a:stretch>
+        </p:blipFill>
+        <p:spPr bwMode="auto">
+          <a:xfrm>
+            <a:off x="1920000" y="4581000"/>
+            <a:ext cx="6840000" cy="1440000"/>
+          </a:xfrm>
+          <a:prstGeom prst="rect">
+            <a:avLst/>
+          </a:prstGeom>
+          <a:noFill/>
+          <a:ln>
+            <a:noFill/>
+          </a:ln>
+          <a:effectLst/>
+          <a:extLst>
+            <a:ext uri="{909E8E84-426E-40DD-AFC4-6F175D3DCCD1}">
+              <a14:hiddenFill xmlns:a14="http://schemas.microsoft.com/office/drawing/2010/main">
+                <a:solidFill>
+                  <a:schemeClr val="accent1"/>
+                </a:solidFill>
+              </a14:hiddenFill>
+            </a:ext>
+            <a:ext uri="{91240B29-F687-4F45-9708-019B960494DF}">
+              <a14:hiddenLine xmlns:a14="http://schemas.microsoft.com/office/drawing/2010/main" w="9525">
+                <a:solidFill>
+                  <a:schemeClr val="tx1"/>
+                </a:solidFill>
+                <a:miter lim="800000"/>
+                <a:headEnd/>
+                <a:tailEnd/>
+              </a14:hiddenLine>
+            </a:ext>
+            <a:ext uri="{AF507438-7753-43E0-B8FC-AC1667EBCBE1}">
+              <a14:hiddenEffects xmlns:a14="http://schemas.microsoft.com/office/drawing/2010/main">
+                <a:effectLst>
+                  <a:outerShdw dist="35921" dir="2700000" algn="ctr" rotWithShape="0">
+                    <a:schemeClr val="bg2"/>
+                  </a:outerShdw>
+                </a:effectLst>
+              </a14:hiddenEffects>
+            </a:ext>
+          </a:extLst>
+        </p:spPr>
+      </p:pic>
     </p:spTree>
     <p:extLst>
       <p:ext uri="{BB962C8B-B14F-4D97-AF65-F5344CB8AC3E}">
@@ -13013,6 +13222,47 @@
           </a:p>
         </p:txBody>
       </p:sp>
+      <p:pic>
+        <p:nvPicPr>
+          <p:cNvPr id="41986" name="Picture 2" descr="C:\Users\amanjosi\Downloads\picds\UpdateClaim.PNG"/>
+          <p:cNvPicPr>
+            <a:picLocks noChangeAspect="1" noChangeArrowheads="1"/>
+          </p:cNvPicPr>
+          <p:nvPr/>
+        </p:nvPicPr>
+        <p:blipFill>
+          <a:blip r:embed="rId2">
+            <a:extLst>
+              <a:ext uri="{28A0092B-C50C-407E-A947-70E740481C1C}">
+                <a14:useLocalDpi xmlns:a14="http://schemas.microsoft.com/office/drawing/2010/main" val="0"/>
+              </a:ext>
+            </a:extLst>
+          </a:blip>
+          <a:srcRect/>
+          <a:stretch>
+            <a:fillRect/>
+          </a:stretch>
+        </p:blipFill>
+        <p:spPr bwMode="auto">
+          <a:xfrm>
+            <a:off x="2352000" y="2564998"/>
+            <a:ext cx="6192000" cy="3959389"/>
+          </a:xfrm>
+          <a:prstGeom prst="rect">
+            <a:avLst/>
+          </a:prstGeom>
+          <a:noFill/>
+          <a:extLst>
+            <a:ext uri="{909E8E84-426E-40DD-AFC4-6F175D3DCCD1}">
+              <a14:hiddenFill xmlns:a14="http://schemas.microsoft.com/office/drawing/2010/main">
+                <a:solidFill>
+                  <a:srgbClr val="FFFFFF"/>
+                </a:solidFill>
+              </a14:hiddenFill>
+            </a:ext>
+          </a:extLst>
+        </p:spPr>
+      </p:pic>
     </p:spTree>
     <p:extLst>
       <p:ext uri="{BB962C8B-B14F-4D97-AF65-F5344CB8AC3E}">
@@ -13276,7 +13526,7 @@
   <a:extraClrSchemeLst/>
   <a:extLst>
     <a:ext uri="{05A4C25C-085E-4340-85A3-A5531E510DB2}">
-      <thm15:themeFamily xmlns:thm15="http://schemas.microsoft.com/office/thememl/2012/main" name="ppt-template.potx" id="{18FE7168-D87E-42AB-B386-4F7E19B889AB}" vid="{BBB9F49C-7C56-443B-8448-8AD796982054}"/>
+      <thm15:themeFamily xmlns="" xmlns:thm15="http://schemas.microsoft.com/office/thememl/2012/main" name="ppt-template.potx" id="{18FE7168-D87E-42AB-B386-4F7E19B889AB}" vid="{BBB9F49C-7C56-443B-8448-8AD796982054}"/>
     </a:ext>
   </a:extLst>
 </a:theme>
@@ -13477,7 +13727,7 @@
   <a:extraClrSchemeLst/>
   <a:extLst>
     <a:ext uri="{05A4C25C-085E-4340-85A3-A5531E510DB2}">
-      <thm15:themeFamily xmlns:thm15="http://schemas.microsoft.com/office/thememl/2012/main" name="Seize the Possibilities 2017" id="{EE6B8699-DD5E-42BE-9B70-27D590C0B319}" vid="{6CAB604D-E609-48C2-8EA9-996CB507E44F}"/>
+      <thm15:themeFamily xmlns="" xmlns:thm15="http://schemas.microsoft.com/office/thememl/2012/main" name="Seize the Possibilities 2017" id="{EE6B8699-DD5E-42BE-9B70-27D590C0B319}" vid="{6CAB604D-E609-48C2-8EA9-996CB507E44F}"/>
     </a:ext>
   </a:extLst>
 </a:theme>
@@ -13678,7 +13928,7 @@
   <a:extraClrSchemeLst/>
   <a:extLst>
     <a:ext uri="{05A4C25C-085E-4340-85A3-A5531E510DB2}">
-      <thm15:themeFamily xmlns:thm15="http://schemas.microsoft.com/office/thememl/2012/main" name="Office Theme" id="{62F939B6-93AF-4DB8-9C6B-D6C7DFDC589F}" vid="{4A3C46E8-61CC-4603-A589-7422A47A8E4A}"/>
+      <thm15:themeFamily xmlns="" xmlns:thm15="http://schemas.microsoft.com/office/thememl/2012/main" name="Office Theme" id="{62F939B6-93AF-4DB8-9C6B-D6C7DFDC589F}" vid="{4A3C46E8-61CC-4603-A589-7422A47A8E4A}"/>
     </a:ext>
   </a:extLst>
 </a:theme>
@@ -13879,7 +14129,7 @@
   <a:extraClrSchemeLst/>
   <a:extLst>
     <a:ext uri="{05A4C25C-085E-4340-85A3-A5531E510DB2}">
-      <thm15:themeFamily xmlns:thm15="http://schemas.microsoft.com/office/thememl/2012/main" name="Office Theme" id="{62F939B6-93AF-4DB8-9C6B-D6C7DFDC589F}" vid="{4A3C46E8-61CC-4603-A589-7422A47A8E4A}"/>
+      <thm15:themeFamily xmlns="" xmlns:thm15="http://schemas.microsoft.com/office/thememl/2012/main" name="Office Theme" id="{62F939B6-93AF-4DB8-9C6B-D6C7DFDC589F}" vid="{4A3C46E8-61CC-4603-A589-7422A47A8E4A}"/>
     </a:ext>
   </a:extLst>
 </a:theme>
